--- a/Documentation/Feedback Management System.pptx
+++ b/Documentation/Feedback Management System.pptx
@@ -11,9 +11,10 @@
     <p:sldId id="259" r:id="rId5"/>
     <p:sldId id="260" r:id="rId6"/>
     <p:sldId id="261" r:id="rId7"/>
-    <p:sldId id="262" r:id="rId8"/>
-    <p:sldId id="263" r:id="rId9"/>
-    <p:sldId id="264" r:id="rId10"/>
+    <p:sldId id="265" r:id="rId8"/>
+    <p:sldId id="262" r:id="rId9"/>
+    <p:sldId id="263" r:id="rId10"/>
+    <p:sldId id="264" r:id="rId11"/>
   </p:sldIdLst>
   <p:sldSz cx="12192000" cy="6858000"/>
   <p:notesSz cx="6858000" cy="9144000"/>
@@ -346,7 +347,7 @@
           <a:p>
             <a:fld id="{9155EB9E-CD67-4950-A0B1-7E94A45761C8}" type="datetimeFigureOut">
               <a:rPr lang="en-IN" smtClean="0"/>
-              <a:t>19-08-2021</a:t>
+              <a:t>06-09-2021</a:t>
             </a:fld>
             <a:endParaRPr lang="en-IN"/>
           </a:p>
@@ -554,7 +555,7 @@
           <a:p>
             <a:fld id="{9155EB9E-CD67-4950-A0B1-7E94A45761C8}" type="datetimeFigureOut">
               <a:rPr lang="en-IN" smtClean="0"/>
-              <a:t>19-08-2021</a:t>
+              <a:t>06-09-2021</a:t>
             </a:fld>
             <a:endParaRPr lang="en-IN"/>
           </a:p>
@@ -810,7 +811,7 @@
           <a:p>
             <a:fld id="{9155EB9E-CD67-4950-A0B1-7E94A45761C8}" type="datetimeFigureOut">
               <a:rPr lang="en-IN" smtClean="0"/>
-              <a:t>19-08-2021</a:t>
+              <a:t>06-09-2021</a:t>
             </a:fld>
             <a:endParaRPr lang="en-IN"/>
           </a:p>
@@ -980,7 +981,7 @@
           <a:p>
             <a:fld id="{9155EB9E-CD67-4950-A0B1-7E94A45761C8}" type="datetimeFigureOut">
               <a:rPr lang="en-IN" smtClean="0"/>
-              <a:t>19-08-2021</a:t>
+              <a:t>06-09-2021</a:t>
             </a:fld>
             <a:endParaRPr lang="en-IN"/>
           </a:p>
@@ -1323,7 +1324,7 @@
           <a:p>
             <a:fld id="{9155EB9E-CD67-4950-A0B1-7E94A45761C8}" type="datetimeFigureOut">
               <a:rPr lang="en-IN" smtClean="0"/>
-              <a:t>19-08-2021</a:t>
+              <a:t>06-09-2021</a:t>
             </a:fld>
             <a:endParaRPr lang="en-IN"/>
           </a:p>
@@ -1598,7 +1599,7 @@
           <a:p>
             <a:fld id="{9155EB9E-CD67-4950-A0B1-7E94A45761C8}" type="datetimeFigureOut">
               <a:rPr lang="en-IN" smtClean="0"/>
-              <a:t>19-08-2021</a:t>
+              <a:t>06-09-2021</a:t>
             </a:fld>
             <a:endParaRPr lang="en-IN"/>
           </a:p>
@@ -1977,7 +1978,7 @@
           <a:p>
             <a:fld id="{9155EB9E-CD67-4950-A0B1-7E94A45761C8}" type="datetimeFigureOut">
               <a:rPr lang="en-IN" smtClean="0"/>
-              <a:t>19-08-2021</a:t>
+              <a:t>06-09-2021</a:t>
             </a:fld>
             <a:endParaRPr lang="en-IN"/>
           </a:p>
@@ -2095,7 +2096,7 @@
           <a:p>
             <a:fld id="{9155EB9E-CD67-4950-A0B1-7E94A45761C8}" type="datetimeFigureOut">
               <a:rPr lang="en-IN" smtClean="0"/>
-              <a:t>19-08-2021</a:t>
+              <a:t>06-09-2021</a:t>
             </a:fld>
             <a:endParaRPr lang="en-IN"/>
           </a:p>
@@ -2266,7 +2267,7 @@
           <a:p>
             <a:fld id="{9155EB9E-CD67-4950-A0B1-7E94A45761C8}" type="datetimeFigureOut">
               <a:rPr lang="en-IN" smtClean="0"/>
-              <a:t>19-08-2021</a:t>
+              <a:t>06-09-2021</a:t>
             </a:fld>
             <a:endParaRPr lang="en-IN"/>
           </a:p>
@@ -2620,7 +2621,7 @@
           <a:p>
             <a:fld id="{9155EB9E-CD67-4950-A0B1-7E94A45761C8}" type="datetimeFigureOut">
               <a:rPr lang="en-IN" smtClean="0"/>
-              <a:t>19-08-2021</a:t>
+              <a:t>06-09-2021</a:t>
             </a:fld>
             <a:endParaRPr lang="en-IN"/>
           </a:p>
@@ -2997,7 +2998,7 @@
           <a:p>
             <a:fld id="{9155EB9E-CD67-4950-A0B1-7E94A45761C8}" type="datetimeFigureOut">
               <a:rPr lang="en-IN" smtClean="0"/>
-              <a:t>19-08-2021</a:t>
+              <a:t>06-09-2021</a:t>
             </a:fld>
             <a:endParaRPr lang="en-IN"/>
           </a:p>
@@ -3284,7 +3285,7 @@
           <a:p>
             <a:fld id="{9155EB9E-CD67-4950-A0B1-7E94A45761C8}" type="datetimeFigureOut">
               <a:rPr lang="en-IN" smtClean="0"/>
-              <a:t>19-08-2021</a:t>
+              <a:t>06-09-2021</a:t>
             </a:fld>
             <a:endParaRPr lang="en-IN"/>
           </a:p>
@@ -3912,7 +3913,7 @@
         </p:spPr>
         <p:txBody>
           <a:bodyPr vert="horz" lIns="91440" tIns="45720" rIns="91440" bIns="45720" rtlCol="0">
-            <a:normAutofit fontScale="70000" lnSpcReduction="20000"/>
+            <a:normAutofit fontScale="62500" lnSpcReduction="20000"/>
           </a:bodyPr>
           <a:lstStyle>
             <a:lvl1pPr marL="0" indent="0" algn="ctr" defTabSz="914400" rtl="0" eaLnBrk="1" latinLnBrk="0" hangingPunct="1">
@@ -4089,42 +4090,41 @@
             <a:pPr algn="l"/>
             <a:r>
               <a:rPr lang="en-IN" sz="2000" dirty="0" smtClean="0"/>
-              <a:t>19/08/21</a:t>
-            </a:r>
+              <a:t>07</a:t>
+            </a:r>
+            <a:r>
+              <a:rPr lang="en-IN" sz="2000" dirty="0" smtClean="0"/>
+              <a:t>/09/21</a:t>
+            </a:r>
+            <a:endParaRPr lang="en-IN" sz="2000" dirty="0" smtClean="0"/>
           </a:p>
           <a:p>
             <a:pPr algn="l"/>
             <a:r>
               <a:rPr lang="en-IN" b="1" dirty="0" smtClean="0"/>
-              <a:t>Submitted To</a:t>
-            </a:r>
-            <a:r>
-              <a:rPr lang="en-IN" b="1" dirty="0" smtClean="0"/>
-              <a:t>:</a:t>
+              <a:t>Submitted To:</a:t>
             </a:r>
             <a:endParaRPr lang="en-IN" sz="2000" dirty="0"/>
           </a:p>
           <a:p>
             <a:pPr algn="l"/>
             <a:r>
-              <a:rPr lang="en-IN" sz="2000" dirty="0" err="1" smtClean="0"/>
-              <a:t>Vanitha</a:t>
-            </a:r>
-            <a:r>
               <a:rPr lang="en-IN" sz="2000" dirty="0" smtClean="0"/>
-              <a:t> </a:t>
-            </a:r>
-            <a:r>
-              <a:rPr lang="en-IN" sz="2000" dirty="0" err="1" smtClean="0"/>
-              <a:t>Prabhu</a:t>
-            </a:r>
-            <a:endParaRPr lang="en-IN" sz="2000" dirty="0" smtClean="0"/>
+              <a:t>Dr. Kiran B Malagi</a:t>
+            </a:r>
           </a:p>
           <a:p>
             <a:pPr algn="l"/>
             <a:r>
               <a:rPr lang="en-IN" sz="2000" dirty="0" smtClean="0"/>
-              <a:t>HOD, Dept. Of Computer Science</a:t>
+              <a:t>Associative Professor,</a:t>
+            </a:r>
+          </a:p>
+          <a:p>
+            <a:pPr algn="l"/>
+            <a:r>
+              <a:rPr lang="en-IN" sz="2000" dirty="0" smtClean="0"/>
+              <a:t>Dept. Of ISE</a:t>
             </a:r>
             <a:endParaRPr lang="en-IN" dirty="0" smtClean="0"/>
           </a:p>
@@ -4134,6 +4134,76 @@
     <p:extLst>
       <p:ext uri="{BB962C8B-B14F-4D97-AF65-F5344CB8AC3E}">
         <p14:creationId xmlns:p14="http://schemas.microsoft.com/office/powerpoint/2010/main" val="1574383209"/>
+      </p:ext>
+    </p:extLst>
+  </p:cSld>
+  <p:clrMapOvr>
+    <a:masterClrMapping/>
+  </p:clrMapOvr>
+  <p:timing>
+    <p:tnLst>
+      <p:par>
+        <p:cTn id="1" dur="indefinite" restart="never" nodeType="tmRoot"/>
+      </p:par>
+    </p:tnLst>
+  </p:timing>
+</p:sld>
+</file>
+
+<file path=ppt/slides/slide10.xml><?xml version="1.0" encoding="utf-8"?>
+<p:sld xmlns:a="http://schemas.openxmlformats.org/drawingml/2006/main" xmlns:r="http://schemas.openxmlformats.org/officeDocument/2006/relationships" xmlns:p="http://schemas.openxmlformats.org/presentationml/2006/main">
+  <p:cSld>
+    <p:spTree>
+      <p:nvGrpSpPr>
+        <p:cNvPr id="1" name=""/>
+        <p:cNvGrpSpPr/>
+        <p:nvPr/>
+      </p:nvGrpSpPr>
+      <p:grpSpPr>
+        <a:xfrm>
+          <a:off x="0" y="0"/>
+          <a:ext cx="0" cy="0"/>
+          <a:chOff x="0" y="0"/>
+          <a:chExt cx="0" cy="0"/>
+        </a:xfrm>
+      </p:grpSpPr>
+      <p:sp>
+        <p:nvSpPr>
+          <p:cNvPr id="2" name="Title 1"/>
+          <p:cNvSpPr>
+            <a:spLocks noGrp="1"/>
+          </p:cNvSpPr>
+          <p:nvPr>
+            <p:ph type="title"/>
+          </p:nvPr>
+        </p:nvSpPr>
+        <p:spPr>
+          <a:xfrm>
+            <a:off x="1146266" y="1772503"/>
+            <a:ext cx="10058400" cy="1450757"/>
+          </a:xfrm>
+        </p:spPr>
+        <p:txBody>
+          <a:bodyPr/>
+          <a:lstStyle/>
+          <a:p>
+            <a:pPr algn="ctr"/>
+            <a:r>
+              <a:rPr lang="en-IN" b="1" dirty="0" smtClean="0">
+                <a:latin typeface="Castellar" panose="020A0402060406010301" pitchFamily="18" charset="0"/>
+              </a:rPr>
+              <a:t>Thank You!</a:t>
+            </a:r>
+            <a:endParaRPr lang="en-IN" b="1" dirty="0">
+              <a:latin typeface="Castellar" panose="020A0402060406010301" pitchFamily="18" charset="0"/>
+            </a:endParaRPr>
+          </a:p>
+        </p:txBody>
+      </p:sp>
+    </p:spTree>
+    <p:extLst>
+      <p:ext uri="{BB962C8B-B14F-4D97-AF65-F5344CB8AC3E}">
+        <p14:creationId xmlns:p14="http://schemas.microsoft.com/office/powerpoint/2010/main" val="829702732"/>
       </p:ext>
     </p:extLst>
   </p:cSld>
@@ -4215,7 +4285,7 @@
           </a:bodyPr>
           <a:lstStyle/>
           <a:p>
-            <a:pPr marL="228600" indent="0">
+            <a:pPr marL="228600" indent="0" algn="just">
               <a:lnSpc>
                 <a:spcPct val="107000"/>
               </a:lnSpc>
@@ -4357,7 +4427,7 @@
           <a:bodyPr/>
           <a:lstStyle/>
           <a:p>
-            <a:pPr>
+            <a:pPr algn="just">
               <a:lnSpc>
                 <a:spcPct val="107000"/>
               </a:lnSpc>
@@ -4386,6 +4456,7 @@
             </a:endParaRPr>
           </a:p>
           <a:p>
+            <a:pPr algn="just"/>
             <a:endParaRPr lang="en-IN" dirty="0"/>
           </a:p>
         </p:txBody>
@@ -4562,6 +4633,7 @@
           <a:bodyPr/>
           <a:lstStyle/>
           <a:p>
+            <a:pPr algn="just"/>
             <a:r>
               <a:rPr lang="en-IN" sz="2800" b="1" dirty="0" smtClean="0">
                 <a:solidFill>
@@ -4572,35 +4644,31 @@
             </a:r>
           </a:p>
           <a:p>
+            <a:pPr algn="just"/>
             <a:r>
               <a:rPr lang="en-IN" dirty="0" smtClean="0"/>
               <a:t>This module deals with the different users who has access to the feedback system i.e., students, employer, parents and alumni.</a:t>
             </a:r>
           </a:p>
           <a:p>
+            <a:pPr algn="just"/>
             <a:r>
               <a:rPr lang="en-IN" dirty="0" smtClean="0"/>
               <a:t>Here only when a authorised user logs in, the user will be permitted to provide the feedbacks.</a:t>
             </a:r>
           </a:p>
           <a:p>
+            <a:pPr algn="just"/>
             <a:r>
               <a:rPr lang="en-IN" dirty="0" smtClean="0"/>
               <a:t>Whenever a user logs in, only the feedback forms which are accessible to the user will be visible i.e., for example if an employer logs in then the user will be provided with only a single feedback form called employer feedback form.</a:t>
             </a:r>
           </a:p>
           <a:p>
+            <a:pPr algn="just"/>
             <a:r>
               <a:rPr lang="en-IN" dirty="0" smtClean="0"/>
-              <a:t>Here when faculty member </a:t>
-            </a:r>
-            <a:r>
-              <a:rPr lang="en-IN" dirty="0" smtClean="0"/>
-              <a:t>logs in, </a:t>
-            </a:r>
-            <a:r>
-              <a:rPr lang="en-IN" dirty="0" smtClean="0"/>
-              <a:t>the user will be provided with his/her overall performance rating and information regarding the improvement that has to be made.</a:t>
+              <a:t>Here when faculty member logs in, the user will be provided with his/her overall performance rating and information regarding the improvement that has to be made.</a:t>
             </a:r>
           </a:p>
         </p:txBody>
@@ -4652,9 +4720,16 @@
             <p:ph type="title"/>
           </p:nvPr>
         </p:nvSpPr>
-        <p:spPr/>
-        <p:txBody>
-          <a:bodyPr/>
+        <p:spPr>
+          <a:xfrm>
+            <a:off x="999309" y="302078"/>
+            <a:ext cx="10058400" cy="676003"/>
+          </a:xfrm>
+        </p:spPr>
+        <p:txBody>
+          <a:bodyPr>
+            <a:normAutofit fontScale="90000"/>
+          </a:bodyPr>
           <a:lstStyle/>
           <a:p>
             <a:r>
@@ -4667,7 +4742,7 @@
       </p:sp>
       <p:pic>
         <p:nvPicPr>
-          <p:cNvPr id="5" name="Content Placeholder 4"/>
+          <p:cNvPr id="7" name="Content Placeholder 6"/>
           <p:cNvPicPr>
             <a:picLocks noGrp="1" noChangeAspect="1"/>
           </p:cNvPicPr>
@@ -4675,7 +4750,7 @@
             <p:ph idx="1"/>
           </p:nvPr>
         </p:nvPicPr>
-        <p:blipFill>
+        <p:blipFill rotWithShape="1">
           <a:blip r:embed="rId2" cstate="print">
             <a:extLst>
               <a:ext uri="{28A0092B-C50C-407E-A947-70E740481C1C}">
@@ -4683,14 +4758,13 @@
               </a:ext>
             </a:extLst>
           </a:blip>
-          <a:stretch>
-            <a:fillRect/>
-          </a:stretch>
+          <a:srcRect l="27844" t="28912"/>
+          <a:stretch/>
         </p:blipFill>
         <p:spPr>
           <a:xfrm>
-            <a:off x="264523" y="1191986"/>
-            <a:ext cx="9867356" cy="5135336"/>
+            <a:off x="849903" y="1412422"/>
+            <a:ext cx="10357212" cy="4309609"/>
           </a:xfrm>
         </p:spPr>
       </p:pic>
@@ -4731,105 +4805,45 @@
           <a:chExt cx="0" cy="0"/>
         </a:xfrm>
       </p:grpSpPr>
-      <p:sp>
-        <p:nvSpPr>
-          <p:cNvPr id="2" name="Title 1"/>
-          <p:cNvSpPr>
-            <a:spLocks noGrp="1"/>
-          </p:cNvSpPr>
-          <p:nvPr>
-            <p:ph type="title"/>
-          </p:nvPr>
-        </p:nvSpPr>
-        <p:spPr/>
-        <p:txBody>
-          <a:bodyPr/>
-          <a:lstStyle/>
-          <a:p>
-            <a:r>
-              <a:rPr lang="en-IN" dirty="0" smtClean="0"/>
-              <a:t>Limitations:</a:t>
-            </a:r>
-            <a:endParaRPr lang="en-IN" dirty="0"/>
-          </a:p>
-        </p:txBody>
-      </p:sp>
-      <p:sp>
-        <p:nvSpPr>
-          <p:cNvPr id="3" name="Content Placeholder 2"/>
-          <p:cNvSpPr>
-            <a:spLocks noGrp="1"/>
-          </p:cNvSpPr>
+      <p:pic>
+        <p:nvPicPr>
+          <p:cNvPr id="4" name="Content Placeholder 3"/>
+          <p:cNvPicPr>
+            <a:picLocks noGrp="1" noChangeAspect="1"/>
+          </p:cNvPicPr>
           <p:nvPr>
             <p:ph idx="1"/>
           </p:nvPr>
-        </p:nvSpPr>
-        <p:spPr/>
-        <p:txBody>
-          <a:bodyPr>
-            <a:normAutofit/>
-          </a:bodyPr>
-          <a:lstStyle/>
-          <a:p>
-            <a:pPr>
-              <a:buFont typeface="Wingdings" panose="05000000000000000000" pitchFamily="2" charset="2"/>
-              <a:buChar char="Ø"/>
-            </a:pPr>
-            <a:r>
-              <a:rPr lang="en-US" sz="2800" dirty="0"/>
-              <a:t>This project is only restricted to web application and there is no  </a:t>
-            </a:r>
-            <a:r>
-              <a:rPr lang="en-US" sz="2800" dirty="0" smtClean="0"/>
-              <a:t>    mobile </a:t>
-            </a:r>
-            <a:r>
-              <a:rPr lang="en-US" sz="2800" dirty="0"/>
-              <a:t>version of this project.</a:t>
-            </a:r>
-            <a:endParaRPr lang="en-IN" sz="2800" dirty="0"/>
-          </a:p>
-          <a:p>
-            <a:pPr>
-              <a:buFont typeface="Wingdings" panose="05000000000000000000" pitchFamily="2" charset="2"/>
-              <a:buChar char="Ø"/>
-            </a:pPr>
-            <a:r>
-              <a:rPr lang="en-US" sz="2800" dirty="0"/>
-              <a:t>This application requires access to Internet</a:t>
-            </a:r>
-            <a:endParaRPr lang="en-IN" sz="2800" dirty="0"/>
-          </a:p>
-          <a:p>
-            <a:pPr>
-              <a:buFont typeface="Wingdings" panose="05000000000000000000" pitchFamily="2" charset="2"/>
-              <a:buChar char="Ø"/>
-            </a:pPr>
-            <a:r>
-              <a:rPr lang="en-US" sz="2800" dirty="0"/>
-              <a:t>Bandwidth of server must be higher for large number of users.</a:t>
-            </a:r>
-            <a:endParaRPr lang="en-IN" sz="2800" dirty="0"/>
-          </a:p>
-        </p:txBody>
-      </p:sp>
+        </p:nvPicPr>
+        <p:blipFill>
+          <a:blip r:embed="rId2" cstate="print">
+            <a:extLst>
+              <a:ext uri="{28A0092B-C50C-407E-A947-70E740481C1C}">
+                <a14:useLocalDpi xmlns:a14="http://schemas.microsoft.com/office/drawing/2010/main" val="0"/>
+              </a:ext>
+            </a:extLst>
+          </a:blip>
+          <a:stretch>
+            <a:fillRect/>
+          </a:stretch>
+        </p:blipFill>
+        <p:spPr>
+          <a:xfrm>
+            <a:off x="1061358" y="463338"/>
+            <a:ext cx="10156371" cy="5487292"/>
+          </a:xfrm>
+        </p:spPr>
+      </p:pic>
     </p:spTree>
     <p:extLst>
       <p:ext uri="{BB962C8B-B14F-4D97-AF65-F5344CB8AC3E}">
-        <p14:creationId xmlns:p14="http://schemas.microsoft.com/office/powerpoint/2010/main" val="2552542809"/>
+        <p14:creationId xmlns:p14="http://schemas.microsoft.com/office/powerpoint/2010/main" val="2263980281"/>
       </p:ext>
     </p:extLst>
   </p:cSld>
   <p:clrMapOvr>
     <a:masterClrMapping/>
   </p:clrMapOvr>
-  <p:timing>
-    <p:tnLst>
-      <p:par>
-        <p:cTn id="1" dur="indefinite" restart="never" nodeType="tmRoot"/>
-      </p:par>
-    </p:tnLst>
-  </p:timing>
 </p:sld>
 </file>
 
@@ -4867,7 +4881,7 @@
           <a:p>
             <a:r>
               <a:rPr lang="en-IN" dirty="0" smtClean="0"/>
-              <a:t>Scope Of the Project:</a:t>
+              <a:t>Limitations:</a:t>
             </a:r>
             <a:endParaRPr lang="en-IN" dirty="0"/>
           </a:p>
@@ -4890,24 +4904,43 @@
           </a:bodyPr>
           <a:lstStyle/>
           <a:p>
-            <a:pPr lvl="0">
+            <a:pPr algn="just">
               <a:buFont typeface="Wingdings" panose="05000000000000000000" pitchFamily="2" charset="2"/>
               <a:buChar char="Ø"/>
             </a:pPr>
             <a:r>
               <a:rPr lang="en-US" sz="2800" dirty="0"/>
-              <a:t>We can integrate this web application with the mobile application.</a:t>
+              <a:t>This project is only restricted to web application and there is no  </a:t>
+            </a:r>
+            <a:r>
+              <a:rPr lang="en-US" sz="2800" dirty="0" smtClean="0"/>
+              <a:t>    mobile </a:t>
+            </a:r>
+            <a:r>
+              <a:rPr lang="en-US" sz="2800" dirty="0"/>
+              <a:t>version of this project.</a:t>
             </a:r>
             <a:endParaRPr lang="en-IN" sz="2800" dirty="0"/>
           </a:p>
           <a:p>
-            <a:pPr lvl="0">
+            <a:pPr algn="just">
               <a:buFont typeface="Wingdings" panose="05000000000000000000" pitchFamily="2" charset="2"/>
               <a:buChar char="Ø"/>
             </a:pPr>
             <a:r>
               <a:rPr lang="en-US" sz="2800" dirty="0"/>
-              <a:t>We can host the platform on online servers to make it accessible worldwide, It can reduce the administration burden.</a:t>
+              <a:t>This application requires access to Internet</a:t>
+            </a:r>
+            <a:endParaRPr lang="en-IN" sz="2800" dirty="0"/>
+          </a:p>
+          <a:p>
+            <a:pPr algn="just">
+              <a:buFont typeface="Wingdings" panose="05000000000000000000" pitchFamily="2" charset="2"/>
+              <a:buChar char="Ø"/>
+            </a:pPr>
+            <a:r>
+              <a:rPr lang="en-US" sz="2800" dirty="0"/>
+              <a:t>Bandwidth of server must be higher for large number of users.</a:t>
             </a:r>
             <a:endParaRPr lang="en-IN" sz="2800" dirty="0"/>
           </a:p>
@@ -4916,7 +4949,7 @@
     </p:spTree>
     <p:extLst>
       <p:ext uri="{BB962C8B-B14F-4D97-AF65-F5344CB8AC3E}">
-        <p14:creationId xmlns:p14="http://schemas.microsoft.com/office/powerpoint/2010/main" val="101088248"/>
+        <p14:creationId xmlns:p14="http://schemas.microsoft.com/office/powerpoint/2010/main" val="2552542809"/>
       </p:ext>
     </p:extLst>
   </p:cSld>
@@ -4960,33 +4993,63 @@
             <p:ph type="title"/>
           </p:nvPr>
         </p:nvSpPr>
-        <p:spPr>
-          <a:xfrm>
-            <a:off x="1146266" y="1772503"/>
-            <a:ext cx="10058400" cy="1450757"/>
-          </a:xfrm>
-        </p:spPr>
+        <p:spPr/>
         <p:txBody>
           <a:bodyPr/>
           <a:lstStyle/>
           <a:p>
-            <a:pPr algn="ctr"/>
-            <a:r>
-              <a:rPr lang="en-IN" b="1" dirty="0" smtClean="0">
-                <a:latin typeface="Castellar" panose="020A0402060406010301" pitchFamily="18" charset="0"/>
-              </a:rPr>
-              <a:t>Thank You!</a:t>
-            </a:r>
-            <a:endParaRPr lang="en-IN" b="1" dirty="0">
-              <a:latin typeface="Castellar" panose="020A0402060406010301" pitchFamily="18" charset="0"/>
-            </a:endParaRPr>
+            <a:r>
+              <a:rPr lang="en-IN" dirty="0" smtClean="0"/>
+              <a:t>Scope Of the Project:</a:t>
+            </a:r>
+            <a:endParaRPr lang="en-IN" dirty="0"/>
+          </a:p>
+        </p:txBody>
+      </p:sp>
+      <p:sp>
+        <p:nvSpPr>
+          <p:cNvPr id="3" name="Content Placeholder 2"/>
+          <p:cNvSpPr>
+            <a:spLocks noGrp="1"/>
+          </p:cNvSpPr>
+          <p:nvPr>
+            <p:ph idx="1"/>
+          </p:nvPr>
+        </p:nvSpPr>
+        <p:spPr/>
+        <p:txBody>
+          <a:bodyPr>
+            <a:normAutofit/>
+          </a:bodyPr>
+          <a:lstStyle/>
+          <a:p>
+            <a:pPr lvl="0">
+              <a:buFont typeface="Wingdings" panose="05000000000000000000" pitchFamily="2" charset="2"/>
+              <a:buChar char="Ø"/>
+            </a:pPr>
+            <a:r>
+              <a:rPr lang="en-US" sz="2800" dirty="0"/>
+              <a:t>We can integrate this web application with the mobile application.</a:t>
+            </a:r>
+            <a:endParaRPr lang="en-IN" sz="2800" dirty="0"/>
+          </a:p>
+          <a:p>
+            <a:pPr lvl="0">
+              <a:buFont typeface="Wingdings" panose="05000000000000000000" pitchFamily="2" charset="2"/>
+              <a:buChar char="Ø"/>
+            </a:pPr>
+            <a:r>
+              <a:rPr lang="en-US" sz="2800" dirty="0"/>
+              <a:t>We can host the platform on online servers to make it accessible worldwide, It can reduce the administration burden.</a:t>
+            </a:r>
+            <a:endParaRPr lang="en-IN" sz="2800" dirty="0"/>
           </a:p>
         </p:txBody>
       </p:sp>
     </p:spTree>
     <p:extLst>
       <p:ext uri="{BB962C8B-B14F-4D97-AF65-F5344CB8AC3E}">
-        <p14:creationId xmlns:p14="http://schemas.microsoft.com/office/powerpoint/2010/main" val="829702732"/>
+        <p14:creationId xmlns:p14="http://schemas.microsoft.com/office/powerpoint/2010/main" val="101088248"/>
       </p:ext>
     </p:extLst>
   </p:cSld>
